--- a/陈仲贤述职答辩.pptx
+++ b/陈仲贤述职答辩.pptx
@@ -423,7 +423,7 @@
           <a:p>
             <a:fld id="{B478E0E4-DC06-4041-AFA7-BB6F527FFA3F}" type="datetimeFigureOut">
               <a:rPr lang="zh-CN" altLang="en-US" smtClean="0"/>
-              <a:t>2022/10/10</a:t>
+              <a:t>2022/10/11</a:t>
             </a:fld>
             <a:endParaRPr lang="zh-CN" altLang="en-US"/>
           </a:p>
@@ -600,7 +600,7 @@
           <a:p>
             <a:fld id="{E86D8963-CFCD-4740-AF60-049850373CDF}" type="datetimeFigureOut">
               <a:rPr lang="zh-CN" altLang="en-US" smtClean="0"/>
-              <a:t>2022/10/10</a:t>
+              <a:t>2022/10/11</a:t>
             </a:fld>
             <a:endParaRPr lang="zh-CN" altLang="en-US"/>
           </a:p>
@@ -11582,26 +11582,12 @@
           <a:p>
             <a:pPr lvl="0"/>
             <a:r>
-              <a:rPr lang="en-US" altLang="zh-CN" dirty="0">
+              <a:rPr lang="zh-CN" altLang="en-US" dirty="0">
                 <a:cs typeface="+mn-ea"/>
                 <a:sym typeface="+mn-lt"/>
               </a:rPr>
-              <a:t>Supporting text here.</a:t>
+              <a:t>怎么去提升能力</a:t>
             </a:r>
-          </a:p>
-          <a:p>
-            <a:pPr lvl="0"/>
-            <a:r>
-              <a:rPr lang="en-US" altLang="zh-CN" dirty="0">
-                <a:cs typeface="+mn-ea"/>
-                <a:sym typeface="+mn-lt"/>
-              </a:rPr>
-              <a:t>When you copy &amp; paste, choose "keep text only" option.</a:t>
-            </a:r>
-            <a:endParaRPr lang="zh-CN" altLang="en-US" dirty="0">
-              <a:cs typeface="+mn-ea"/>
-              <a:sym typeface="+mn-lt"/>
-            </a:endParaRPr>
           </a:p>
         </p:txBody>
       </p:sp>
@@ -28255,7 +28241,7 @@
         </p:nvSpPr>
         <p:spPr>
           <a:xfrm>
-            <a:off x="5227079" y="2981325"/>
+            <a:off x="5218115" y="2528209"/>
             <a:ext cx="4791016" cy="895350"/>
           </a:xfrm>
         </p:spPr>
@@ -28326,6 +28312,43 @@
               <a:cs typeface="+mn-ea"/>
               <a:sym typeface="+mn-lt"/>
             </a:endParaRPr>
+          </a:p>
+        </p:txBody>
+      </p:sp>
+      <p:sp>
+        <p:nvSpPr>
+          <p:cNvPr id="2" name="文本占位符 5">
+            <a:extLst>
+              <a:ext uri="{FF2B5EF4-FFF2-40B4-BE49-F238E27FC236}">
+                <a16:creationId xmlns:a16="http://schemas.microsoft.com/office/drawing/2014/main" id="{43FFADBF-F350-EC2B-E10D-71FFBB041263}"/>
+              </a:ext>
+            </a:extLst>
+          </p:cNvPr>
+          <p:cNvSpPr>
+            <a:spLocks noGrp="1"/>
+          </p:cNvSpPr>
+          <p:nvPr>
+            <p:ph type="body" idx="1"/>
+          </p:nvPr>
+        </p:nvSpPr>
+        <p:spPr>
+          <a:xfrm>
+            <a:off x="5218115" y="3423559"/>
+            <a:ext cx="4791016" cy="1015623"/>
+          </a:xfrm>
+        </p:spPr>
+        <p:txBody>
+          <a:bodyPr/>
+          <a:lstStyle/>
+          <a:p>
+            <a:pPr lvl="0"/>
+            <a:r>
+              <a:rPr lang="zh-CN" altLang="en-US" dirty="0">
+                <a:cs typeface="+mn-ea"/>
+                <a:sym typeface="+mn-lt"/>
+              </a:rPr>
+              <a:t>本人所负责的模块的</a:t>
+            </a:r>
           </a:p>
         </p:txBody>
       </p:sp>
@@ -31913,7 +31936,7 @@
           </p:nvSpPr>
           <p:spPr>
             <a:xfrm>
-              <a:off x="7741094" y="4486665"/>
+              <a:off x="7664153" y="4505860"/>
               <a:ext cx="2056924" cy="370980"/>
             </a:xfrm>
             <a:prstGeom prst="rect">
@@ -33884,26 +33907,12 @@
           <a:p>
             <a:pPr lvl="0"/>
             <a:r>
-              <a:rPr lang="en-US" altLang="zh-CN" dirty="0">
+              <a:rPr lang="zh-CN" altLang="en-US" dirty="0">
                 <a:cs typeface="+mn-ea"/>
                 <a:sym typeface="+mn-lt"/>
               </a:rPr>
-              <a:t>Supporting text here.</a:t>
+              <a:t>本人所负责的模块的</a:t>
             </a:r>
-          </a:p>
-          <a:p>
-            <a:pPr lvl="0"/>
-            <a:r>
-              <a:rPr lang="en-US" altLang="zh-CN" dirty="0">
-                <a:cs typeface="+mn-ea"/>
-                <a:sym typeface="+mn-lt"/>
-              </a:rPr>
-              <a:t>When you copy &amp; paste, choose "keep text only" option.</a:t>
-            </a:r>
-            <a:endParaRPr lang="zh-CN" altLang="en-US" dirty="0">
-              <a:cs typeface="+mn-ea"/>
-              <a:sym typeface="+mn-lt"/>
-            </a:endParaRPr>
           </a:p>
         </p:txBody>
       </p:sp>
@@ -43937,26 +43946,26 @@
           <a:p>
             <a:pPr lvl="0"/>
             <a:r>
-              <a:rPr lang="en-US" altLang="zh-CN" dirty="0">
+              <a:rPr lang="zh-CN" altLang="en-US" dirty="0">
                 <a:cs typeface="+mn-ea"/>
                 <a:sym typeface="+mn-lt"/>
               </a:rPr>
-              <a:t>Supporting text here.</a:t>
+              <a:t>在这</a:t>
             </a:r>
-          </a:p>
-          <a:p>
-            <a:pPr lvl="0"/>
             <a:r>
               <a:rPr lang="en-US" altLang="zh-CN" dirty="0">
                 <a:cs typeface="+mn-ea"/>
                 <a:sym typeface="+mn-lt"/>
               </a:rPr>
-              <a:t>When you copy &amp; paste, choose "keep text only" option.</a:t>
+              <a:t>3</a:t>
             </a:r>
-            <a:endParaRPr lang="zh-CN" altLang="en-US" dirty="0">
-              <a:cs typeface="+mn-ea"/>
-              <a:sym typeface="+mn-lt"/>
-            </a:endParaRPr>
+            <a:r>
+              <a:rPr lang="zh-CN" altLang="en-US" dirty="0">
+                <a:cs typeface="+mn-ea"/>
+                <a:sym typeface="+mn-lt"/>
+              </a:rPr>
+              <a:t>个月中学到了什么</a:t>
+            </a:r>
           </a:p>
         </p:txBody>
       </p:sp>
@@ -45889,26 +45898,12 @@
           <a:p>
             <a:pPr lvl="0"/>
             <a:r>
-              <a:rPr lang="en-US" altLang="zh-CN" dirty="0">
+              <a:rPr lang="zh-CN" altLang="en-US" dirty="0">
                 <a:cs typeface="+mn-ea"/>
                 <a:sym typeface="+mn-lt"/>
               </a:rPr>
-              <a:t>Supporting text here.</a:t>
+              <a:t>自我反省存在的问题，和改进方向</a:t>
             </a:r>
-          </a:p>
-          <a:p>
-            <a:pPr lvl="0"/>
-            <a:r>
-              <a:rPr lang="en-US" altLang="zh-CN" dirty="0">
-                <a:cs typeface="+mn-ea"/>
-                <a:sym typeface="+mn-lt"/>
-              </a:rPr>
-              <a:t>When you copy &amp; paste, choose "keep text only" option.</a:t>
-            </a:r>
-            <a:endParaRPr lang="zh-CN" altLang="en-US" dirty="0">
-              <a:cs typeface="+mn-ea"/>
-              <a:sym typeface="+mn-lt"/>
-            </a:endParaRPr>
           </a:p>
         </p:txBody>
       </p:sp>
@@ -46898,6 +46893,27 @@
 </file>
 
 <file path=customXml/item1.xml><?xml version="1.0" encoding="utf-8"?>
+<p:properties xmlns:p="http://schemas.microsoft.com/office/2006/metadata/properties" xmlns:xsi="http://www.w3.org/2001/XMLSchema-instance" xmlns:pc="http://schemas.microsoft.com/office/infopath/2007/PartnerControls">
+  <documentManagement>
+    <TaxCatchAll xmlns="97934b4b-eba6-486d-bfc1-4b8e3fe39092" xsi:nil="true"/>
+    <lcf76f155ced4ddcb4097134ff3c332f xmlns="0a5c0dea-e5d7-4228-9256-3793bb42faa5">
+      <Terms xmlns="http://schemas.microsoft.com/office/infopath/2007/PartnerControls"/>
+    </lcf76f155ced4ddcb4097134ff3c332f>
+    <OneNoteFluid_FileOrder xmlns="0a5c0dea-e5d7-4228-9256-3793bb42faa5" xsi:nil="true"/>
+  </documentManagement>
+</p:properties>
+</file>
+
+<file path=customXml/item2.xml><?xml version="1.0" encoding="utf-8"?>
+<?mso-contentType ?>
+<FormTemplates xmlns="http://schemas.microsoft.com/sharepoint/v3/contenttype/forms">
+  <Display>DocumentLibraryForm</Display>
+  <Edit>DocumentLibraryForm</Edit>
+  <New>DocumentLibraryForm</New>
+</FormTemplates>
+</file>
+
+<file path=customXml/item3.xml><?xml version="1.0" encoding="utf-8"?>
 <ct:contentTypeSchema xmlns:ct="http://schemas.microsoft.com/office/2006/metadata/contentType" xmlns:ma="http://schemas.microsoft.com/office/2006/metadata/properties/metaAttributes" ct:_="" ma:_="" ma:contentTypeName="Document" ma:contentTypeID="0x010100D1443A8EF62DE444B1FF07917E22EF72" ma:contentTypeVersion="15" ma:contentTypeDescription="Create a new document." ma:contentTypeScope="" ma:versionID="93a012c9a81027335424ba9f7b4858de">
   <xsd:schema xmlns:xsd="http://www.w3.org/2001/XMLSchema" xmlns:xs="http://www.w3.org/2001/XMLSchema" xmlns:p="http://schemas.microsoft.com/office/2006/metadata/properties" xmlns:ns2="0a5c0dea-e5d7-4228-9256-3793bb42faa5" xmlns:ns3="97934b4b-eba6-486d-bfc1-4b8e3fe39092" targetNamespace="http://schemas.microsoft.com/office/2006/metadata/properties" ma:root="true" ma:fieldsID="9a709ec72f4fcd18515a248f36769751" ns2:_="" ns3:_="">
     <xsd:import namespace="0a5c0dea-e5d7-4228-9256-3793bb42faa5"/>
@@ -47136,28 +47152,26 @@
 </ct:contentTypeSchema>
 </file>
 
-<file path=customXml/item2.xml><?xml version="1.0" encoding="utf-8"?>
-<?mso-contentType ?>
-<FormTemplates xmlns="http://schemas.microsoft.com/sharepoint/v3/contenttype/forms">
-  <Display>DocumentLibraryForm</Display>
-  <Edit>DocumentLibraryForm</Edit>
-  <New>DocumentLibraryForm</New>
-</FormTemplates>
+<file path=customXml/itemProps1.xml><?xml version="1.0" encoding="utf-8"?>
+<ds:datastoreItem xmlns:ds="http://schemas.openxmlformats.org/officeDocument/2006/customXml" ds:itemID="{25ED6131-7463-4B49-88A9-26106DC7F057}">
+  <ds:schemaRefs>
+    <ds:schemaRef ds:uri="http://schemas.microsoft.com/office/2006/metadata/properties"/>
+    <ds:schemaRef ds:uri="http://schemas.microsoft.com/office/infopath/2007/PartnerControls"/>
+    <ds:schemaRef ds:uri="97934b4b-eba6-486d-bfc1-4b8e3fe39092"/>
+    <ds:schemaRef ds:uri="0a5c0dea-e5d7-4228-9256-3793bb42faa5"/>
+  </ds:schemaRefs>
+</ds:datastoreItem>
 </file>
 
-<file path=customXml/item3.xml><?xml version="1.0" encoding="utf-8"?>
-<p:properties xmlns:p="http://schemas.microsoft.com/office/2006/metadata/properties" xmlns:xsi="http://www.w3.org/2001/XMLSchema-instance" xmlns:pc="http://schemas.microsoft.com/office/infopath/2007/PartnerControls">
-  <documentManagement>
-    <TaxCatchAll xmlns="97934b4b-eba6-486d-bfc1-4b8e3fe39092" xsi:nil="true"/>
-    <lcf76f155ced4ddcb4097134ff3c332f xmlns="0a5c0dea-e5d7-4228-9256-3793bb42faa5">
-      <Terms xmlns="http://schemas.microsoft.com/office/infopath/2007/PartnerControls"/>
-    </lcf76f155ced4ddcb4097134ff3c332f>
-    <OneNoteFluid_FileOrder xmlns="0a5c0dea-e5d7-4228-9256-3793bb42faa5" xsi:nil="true"/>
-  </documentManagement>
-</p:properties>
+<file path=customXml/itemProps2.xml><?xml version="1.0" encoding="utf-8"?>
+<ds:datastoreItem xmlns:ds="http://schemas.openxmlformats.org/officeDocument/2006/customXml" ds:itemID="{F1FAB332-01D5-4E9B-958D-91E4AD2BD0A2}">
+  <ds:schemaRefs>
+    <ds:schemaRef ds:uri="http://schemas.microsoft.com/sharepoint/v3/contenttype/forms"/>
+  </ds:schemaRefs>
+</ds:datastoreItem>
 </file>
 
-<file path=customXml/itemProps1.xml><?xml version="1.0" encoding="utf-8"?>
+<file path=customXml/itemProps3.xml><?xml version="1.0" encoding="utf-8"?>
 <ds:datastoreItem xmlns:ds="http://schemas.openxmlformats.org/officeDocument/2006/customXml" ds:itemID="{A1B06352-2EC3-44DB-9E0D-3DD466F3477B}">
   <ds:schemaRefs>
     <ds:schemaRef ds:uri="http://schemas.microsoft.com/office/2006/metadata/contentType"/>
@@ -47176,25 +47190,6 @@
 </ds:datastoreItem>
 </file>
 
-<file path=customXml/itemProps2.xml><?xml version="1.0" encoding="utf-8"?>
-<ds:datastoreItem xmlns:ds="http://schemas.openxmlformats.org/officeDocument/2006/customXml" ds:itemID="{F1FAB332-01D5-4E9B-958D-91E4AD2BD0A2}">
-  <ds:schemaRefs>
-    <ds:schemaRef ds:uri="http://schemas.microsoft.com/sharepoint/v3/contenttype/forms"/>
-  </ds:schemaRefs>
-</ds:datastoreItem>
-</file>
-
-<file path=customXml/itemProps3.xml><?xml version="1.0" encoding="utf-8"?>
-<ds:datastoreItem xmlns:ds="http://schemas.openxmlformats.org/officeDocument/2006/customXml" ds:itemID="{25ED6131-7463-4B49-88A9-26106DC7F057}">
-  <ds:schemaRefs>
-    <ds:schemaRef ds:uri="http://schemas.microsoft.com/office/2006/metadata/properties"/>
-    <ds:schemaRef ds:uri="http://schemas.microsoft.com/office/infopath/2007/PartnerControls"/>
-    <ds:schemaRef ds:uri="97934b4b-eba6-486d-bfc1-4b8e3fe39092"/>
-    <ds:schemaRef ds:uri="0a5c0dea-e5d7-4228-9256-3793bb42faa5"/>
-  </ds:schemaRefs>
-</ds:datastoreItem>
-</file>
-
 <file path=docMetadata/LabelInfo.xml><?xml version="1.0" encoding="utf-8"?>
 <clbl:labelList xmlns:clbl="http://schemas.microsoft.com/office/2020/mipLabelMetadata">
   <clbl:label id="{f42aa342-8706-4288-bd11-ebb85995028c}" enabled="1" method="Standard" siteId="{72f988bf-86f1-41af-91ab-2d7cd011db47}" contentBits="0" removed="0"/>
